--- a/GGWP.pptx
+++ b/GGWP.pptx
@@ -13,6 +13,7 @@
     <p:sldId id="260" r:id="rId7"/>
     <p:sldId id="262" r:id="rId8"/>
     <p:sldId id="263" r:id="rId9"/>
+    <p:sldId id="264" r:id="rId10"/>
   </p:sldIdLst>
   <p:sldSz cx="12192000" cy="6858000"/>
   <p:notesSz cx="6858000" cy="9144000"/>
@@ -111,6 +112,11 @@
       </a:defRPr>
     </a:lvl9pPr>
   </p:defaultTextStyle>
+  <p:extLst>
+    <p:ext uri="{EFAFB233-063F-42B5-8137-9DF3F51BA10A}">
+      <p15:sldGuideLst xmlns:p15="http://schemas.microsoft.com/office/powerpoint/2012/main"/>
+    </p:ext>
+  </p:extLst>
 </p:presentation>
 </file>
 
@@ -3499,25 +3505,25 @@
         </p:spPr>
         <p:txBody>
           <a:bodyPr anchor="ctr">
-            <a:normAutofit/>
+            <a:normAutofit fontScale="90000"/>
           </a:bodyPr>
           <a:lstStyle/>
           <a:p>
             <a:r>
-              <a:rPr lang="en-US" altLang="zh-CN" sz="2800" b="1"/>
+              <a:rPr lang="en-US" altLang="zh-CN" sz="4000" b="1" dirty="0"/>
               <a:t>Project Topic:</a:t>
             </a:r>
             <a:br>
-              <a:rPr lang="en-US" altLang="zh-CN" sz="2800"/>
+              <a:rPr lang="en-US" altLang="zh-CN" sz="2800" dirty="0"/>
             </a:br>
             <a:br>
-              <a:rPr lang="en-US" altLang="zh-CN" sz="2800"/>
+              <a:rPr lang="en-US" altLang="zh-CN" sz="2800" dirty="0"/>
             </a:br>
             <a:r>
-              <a:rPr lang="en-US" altLang="zh-CN" sz="2800"/>
+              <a:rPr lang="en-US" altLang="zh-CN" sz="2700" dirty="0"/>
               <a:t>Analyzing the COVID-19 Spread and the Effect of Interventions</a:t>
             </a:r>
-            <a:endParaRPr lang="zh-CN" altLang="en-US" sz="2800"/>
+            <a:endParaRPr lang="zh-CN" altLang="en-US" sz="2700" dirty="0"/>
           </a:p>
         </p:txBody>
       </p:sp>
@@ -4453,49 +4459,12 @@
           <a:chExt cx="0" cy="0"/>
         </a:xfrm>
       </p:grpSpPr>
-      <p:sp>
-        <p:nvSpPr>
-          <p:cNvPr id="2" name="标题 1">
-            <a:extLst>
-              <a:ext uri="{FF2B5EF4-FFF2-40B4-BE49-F238E27FC236}">
-                <a16:creationId xmlns:a16="http://schemas.microsoft.com/office/drawing/2014/main" id="{8C6C7314-E1B7-4871-AFE8-8C3F24F0AFE2}"/>
-              </a:ext>
-            </a:extLst>
-          </p:cNvPr>
-          <p:cNvSpPr>
-            <a:spLocks noGrp="1"/>
-          </p:cNvSpPr>
-          <p:nvPr>
-            <p:ph type="title"/>
-          </p:nvPr>
-        </p:nvSpPr>
-        <p:spPr>
-          <a:xfrm>
-            <a:off x="740923" y="547876"/>
-            <a:ext cx="10515600" cy="1940330"/>
-          </a:xfrm>
-        </p:spPr>
-        <p:txBody>
-          <a:bodyPr/>
-          <a:lstStyle/>
-          <a:p>
-            <a:r>
-              <a:rPr lang="en-US" altLang="zh-CN" sz="4000" dirty="0"/>
-              <a:t>Data Visualization</a:t>
-            </a:r>
-            <a:br>
-              <a:rPr lang="en-US" altLang="zh-CN" dirty="0"/>
-            </a:br>
-            <a:endParaRPr lang="zh-CN" altLang="en-US" dirty="0"/>
-          </a:p>
-        </p:txBody>
-      </p:sp>
       <p:pic>
         <p:nvPicPr>
-          <p:cNvPr id="5" name="图片 4" descr="地图上有字&#10;&#10;描述已自动生成">
-            <a:extLst>
-              <a:ext uri="{FF2B5EF4-FFF2-40B4-BE49-F238E27FC236}">
-                <a16:creationId xmlns:a16="http://schemas.microsoft.com/office/drawing/2014/main" id="{E2FAD090-AC25-4722-A994-5292484F074A}"/>
+          <p:cNvPr id="4" name="图片 3" descr="图片包含 游戏机&#10;&#10;描述已自动生成">
+            <a:extLst>
+              <a:ext uri="{FF2B5EF4-FFF2-40B4-BE49-F238E27FC236}">
+                <a16:creationId xmlns:a16="http://schemas.microsoft.com/office/drawing/2014/main" id="{C6A6C29C-3C83-475B-BD7B-ABAACA3E0CB9}"/>
               </a:ext>
             </a:extLst>
           </p:cNvPr>
@@ -4518,8 +4487,81 @@
         </p:blipFill>
         <p:spPr>
           <a:xfrm>
-            <a:off x="497731" y="1518041"/>
-            <a:ext cx="8364166" cy="4706482"/>
+            <a:off x="6391072" y="2004044"/>
+            <a:ext cx="5800928" cy="1740278"/>
+          </a:xfrm>
+          <a:prstGeom prst="rect">
+            <a:avLst/>
+          </a:prstGeom>
+        </p:spPr>
+      </p:pic>
+      <p:sp>
+        <p:nvSpPr>
+          <p:cNvPr id="2" name="标题 1">
+            <a:extLst>
+              <a:ext uri="{FF2B5EF4-FFF2-40B4-BE49-F238E27FC236}">
+                <a16:creationId xmlns:a16="http://schemas.microsoft.com/office/drawing/2014/main" id="{8C6C7314-E1B7-4871-AFE8-8C3F24F0AFE2}"/>
+              </a:ext>
+            </a:extLst>
+          </p:cNvPr>
+          <p:cNvSpPr>
+            <a:spLocks noGrp="1"/>
+          </p:cNvSpPr>
+          <p:nvPr>
+            <p:ph type="title"/>
+          </p:nvPr>
+        </p:nvSpPr>
+        <p:spPr>
+          <a:xfrm>
+            <a:off x="740923" y="547876"/>
+            <a:ext cx="10515600" cy="1940330"/>
+          </a:xfrm>
+        </p:spPr>
+        <p:txBody>
+          <a:bodyPr/>
+          <a:lstStyle/>
+          <a:p>
+            <a:r>
+              <a:rPr lang="en-US" altLang="zh-CN" sz="4000" dirty="0"/>
+              <a:t>Data Visualization</a:t>
+            </a:r>
+            <a:br>
+              <a:rPr lang="en-US" altLang="zh-CN" dirty="0"/>
+            </a:br>
+            <a:endParaRPr lang="zh-CN" altLang="en-US" dirty="0"/>
+          </a:p>
+        </p:txBody>
+      </p:sp>
+      <p:pic>
+        <p:nvPicPr>
+          <p:cNvPr id="5" name="图片 4" descr="地图上有字&#10;&#10;描述已自动生成">
+            <a:extLst>
+              <a:ext uri="{FF2B5EF4-FFF2-40B4-BE49-F238E27FC236}">
+                <a16:creationId xmlns:a16="http://schemas.microsoft.com/office/drawing/2014/main" id="{E2FAD090-AC25-4722-A994-5292484F074A}"/>
+              </a:ext>
+            </a:extLst>
+          </p:cNvPr>
+          <p:cNvPicPr>
+            <a:picLocks noChangeAspect="1"/>
+          </p:cNvPicPr>
+          <p:nvPr/>
+        </p:nvPicPr>
+        <p:blipFill>
+          <a:blip r:embed="rId3">
+            <a:extLst>
+              <a:ext uri="{28A0092B-C50C-407E-A947-70E740481C1C}">
+                <a14:useLocalDpi xmlns:a14="http://schemas.microsoft.com/office/drawing/2010/main" val="0"/>
+              </a:ext>
+            </a:extLst>
+          </a:blip>
+          <a:stretch>
+            <a:fillRect/>
+          </a:stretch>
+        </p:blipFill>
+        <p:spPr>
+          <a:xfrm>
+            <a:off x="468550" y="1803992"/>
+            <a:ext cx="6284910" cy="3536493"/>
           </a:xfrm>
           <a:prstGeom prst="rect">
             <a:avLst/>
@@ -5360,6 +5402,146 @@
     <p:extLst>
       <p:ext uri="{BB962C8B-B14F-4D97-AF65-F5344CB8AC3E}">
         <p14:creationId xmlns:p14="http://schemas.microsoft.com/office/powerpoint/2010/main" val="4084322930"/>
+      </p:ext>
+    </p:extLst>
+  </p:cSld>
+  <p:clrMapOvr>
+    <a:masterClrMapping/>
+  </p:clrMapOvr>
+</p:sld>
+</file>
+
+<file path=ppt/slides/slide9.xml><?xml version="1.0" encoding="utf-8"?>
+<p:sld xmlns:a="http://schemas.openxmlformats.org/drawingml/2006/main" xmlns:r="http://schemas.openxmlformats.org/officeDocument/2006/relationships" xmlns:p="http://schemas.openxmlformats.org/presentationml/2006/main">
+  <p:cSld>
+    <p:spTree>
+      <p:nvGrpSpPr>
+        <p:cNvPr id="1" name=""/>
+        <p:cNvGrpSpPr/>
+        <p:nvPr/>
+      </p:nvGrpSpPr>
+      <p:grpSpPr>
+        <a:xfrm>
+          <a:off x="0" y="0"/>
+          <a:ext cx="0" cy="0"/>
+          <a:chOff x="0" y="0"/>
+          <a:chExt cx="0" cy="0"/>
+        </a:xfrm>
+      </p:grpSpPr>
+      <p:sp>
+        <p:nvSpPr>
+          <p:cNvPr id="2" name="标题 1">
+            <a:extLst>
+              <a:ext uri="{FF2B5EF4-FFF2-40B4-BE49-F238E27FC236}">
+                <a16:creationId xmlns:a16="http://schemas.microsoft.com/office/drawing/2014/main" id="{DD803A5B-D62A-45DC-BA5E-FE7403A83F11}"/>
+              </a:ext>
+            </a:extLst>
+          </p:cNvPr>
+          <p:cNvSpPr>
+            <a:spLocks noGrp="1"/>
+          </p:cNvSpPr>
+          <p:nvPr>
+            <p:ph type="title"/>
+          </p:nvPr>
+        </p:nvSpPr>
+        <p:spPr/>
+        <p:txBody>
+          <a:bodyPr>
+            <a:normAutofit/>
+          </a:bodyPr>
+          <a:lstStyle/>
+          <a:p>
+            <a:r>
+              <a:rPr lang="en-US" altLang="zh-CN" sz="4000" dirty="0"/>
+              <a:t>Challenges &amp; Limitations</a:t>
+            </a:r>
+            <a:endParaRPr lang="zh-CN" altLang="en-US" sz="4000" dirty="0"/>
+          </a:p>
+        </p:txBody>
+      </p:sp>
+      <p:sp>
+        <p:nvSpPr>
+          <p:cNvPr id="3" name="内容占位符 2">
+            <a:extLst>
+              <a:ext uri="{FF2B5EF4-FFF2-40B4-BE49-F238E27FC236}">
+                <a16:creationId xmlns:a16="http://schemas.microsoft.com/office/drawing/2014/main" id="{B323C2B8-FAFE-442E-B155-C24A7D423D04}"/>
+              </a:ext>
+            </a:extLst>
+          </p:cNvPr>
+          <p:cNvSpPr>
+            <a:spLocks noGrp="1"/>
+          </p:cNvSpPr>
+          <p:nvPr>
+            <p:ph idx="1"/>
+          </p:nvPr>
+        </p:nvSpPr>
+        <p:spPr/>
+        <p:txBody>
+          <a:bodyPr/>
+          <a:lstStyle/>
+          <a:p>
+            <a:r>
+              <a:rPr lang="en-US" altLang="zh-CN" dirty="0"/>
+              <a:t>Country/State name abbreviations</a:t>
+            </a:r>
+          </a:p>
+          <a:p>
+            <a:pPr marL="457200" lvl="1" indent="0">
+              <a:buNone/>
+            </a:pPr>
+            <a:r>
+              <a:rPr lang="en-US" altLang="zh-CN" sz="2000" dirty="0"/>
+              <a:t>(E.g. Saint Helena-&gt; St. Helena, New York -&gt; NY)</a:t>
+            </a:r>
+          </a:p>
+          <a:p>
+            <a:endParaRPr lang="en-US" altLang="zh-CN" sz="2000" dirty="0"/>
+          </a:p>
+          <a:p>
+            <a:r>
+              <a:rPr lang="en-US" altLang="zh-CN" dirty="0"/>
+              <a:t>Drawing Heatmap with time</a:t>
+            </a:r>
+          </a:p>
+          <a:p>
+            <a:pPr marL="457200" lvl="1" indent="0">
+              <a:buNone/>
+            </a:pPr>
+            <a:r>
+              <a:rPr lang="en-US" altLang="zh-CN" sz="2000" dirty="0"/>
+              <a:t>How to match geo json with Heatmap?</a:t>
+            </a:r>
+          </a:p>
+          <a:p>
+            <a:pPr marL="457200" lvl="1" indent="0">
+              <a:buNone/>
+            </a:pPr>
+            <a:r>
+              <a:rPr lang="en-US" altLang="zh-CN" sz="2000" dirty="0"/>
+              <a:t>How to get case coordinates?</a:t>
+            </a:r>
+          </a:p>
+          <a:p>
+            <a:endParaRPr lang="en-US" altLang="zh-CN" sz="2000" dirty="0"/>
+          </a:p>
+          <a:p>
+            <a:r>
+              <a:rPr lang="en-US" altLang="zh-CN" dirty="0"/>
+              <a:t>Heatmap accuracy</a:t>
+            </a:r>
+          </a:p>
+          <a:p>
+            <a:pPr marL="457200" lvl="1" indent="0">
+              <a:buNone/>
+            </a:pPr>
+            <a:endParaRPr lang="zh-CN" altLang="en-US" sz="2000" dirty="0"/>
+          </a:p>
+        </p:txBody>
+      </p:sp>
+    </p:spTree>
+    <p:extLst>
+      <p:ext uri="{BB962C8B-B14F-4D97-AF65-F5344CB8AC3E}">
+        <p14:creationId xmlns:p14="http://schemas.microsoft.com/office/powerpoint/2010/main" val="1165934372"/>
       </p:ext>
     </p:extLst>
   </p:cSld>
